--- a/Presentations/Presentation PowerEnjoy - RASD.pptx
+++ b/Presentations/Presentation PowerEnjoy - RASD.pptx
@@ -5,7 +5,7 @@
     <p:sldMasterId id="2147483648" r:id="rId1"/>
   </p:sldMasterIdLst>
   <p:notesMasterIdLst>
-    <p:notesMasterId r:id="rId17"/>
+    <p:notesMasterId r:id="rId18"/>
   </p:notesMasterIdLst>
   <p:sldIdLst>
     <p:sldId id="256" r:id="rId2"/>
@@ -13,16 +13,17 @@
     <p:sldId id="258" r:id="rId4"/>
     <p:sldId id="259" r:id="rId5"/>
     <p:sldId id="260" r:id="rId6"/>
-    <p:sldId id="261" r:id="rId7"/>
-    <p:sldId id="262" r:id="rId8"/>
-    <p:sldId id="264" r:id="rId9"/>
-    <p:sldId id="263" r:id="rId10"/>
-    <p:sldId id="265" r:id="rId11"/>
-    <p:sldId id="266" r:id="rId12"/>
-    <p:sldId id="267" r:id="rId13"/>
-    <p:sldId id="268" r:id="rId14"/>
-    <p:sldId id="269" r:id="rId15"/>
-    <p:sldId id="270" r:id="rId16"/>
+    <p:sldId id="271" r:id="rId7"/>
+    <p:sldId id="261" r:id="rId8"/>
+    <p:sldId id="262" r:id="rId9"/>
+    <p:sldId id="264" r:id="rId10"/>
+    <p:sldId id="263" r:id="rId11"/>
+    <p:sldId id="265" r:id="rId12"/>
+    <p:sldId id="266" r:id="rId13"/>
+    <p:sldId id="267" r:id="rId14"/>
+    <p:sldId id="268" r:id="rId15"/>
+    <p:sldId id="269" r:id="rId16"/>
+    <p:sldId id="270" r:id="rId17"/>
   </p:sldIdLst>
   <p:sldSz cx="9144000" cy="6858000" type="screen4x3"/>
   <p:notesSz cx="7559675" cy="10691813"/>
@@ -2582,7 +2583,7 @@
       </p:grpSpPr>
       <p:sp>
         <p:nvSpPr>
-          <p:cNvPr id="2" name="Espace réservé du pied de page 1"/>
+          <p:cNvPr id="3" name="Espace réservé du pied de page 2"/>
           <p:cNvSpPr>
             <a:spLocks noGrp="1"/>
           </p:cNvSpPr>
@@ -2617,7 +2618,7 @@
       </p:sp>
       <p:sp>
         <p:nvSpPr>
-          <p:cNvPr id="3" name="Espace réservé du numéro de diapositive 2"/>
+          <p:cNvPr id="4" name="Espace réservé du numéro de diapositive 3"/>
           <p:cNvSpPr>
             <a:spLocks noGrp="1"/>
           </p:cNvSpPr>
@@ -2642,6 +2643,194 @@
               </a:rPr>
               <a:pPr algn="r"/>
               <a:t>10</a:t>
+            </a:fld>
+            <a:endParaRPr lang="en-GB" sz="1400" spc="-1" dirty="0">
+              <a:uFill>
+                <a:solidFill>
+                  <a:srgbClr val="FFFFFF"/>
+                </a:solidFill>
+              </a:uFill>
+              <a:latin typeface="Times New Roman"/>
+            </a:endParaRPr>
+          </a:p>
+        </p:txBody>
+      </p:sp>
+      <p:sp>
+        <p:nvSpPr>
+          <p:cNvPr id="7" name="Espace réservé du texte 6"/>
+          <p:cNvSpPr>
+            <a:spLocks noGrp="1"/>
+          </p:cNvSpPr>
+          <p:nvPr>
+            <p:ph type="body" sz="quarter" idx="12"/>
+          </p:nvPr>
+        </p:nvSpPr>
+        <p:spPr/>
+        <p:txBody>
+          <a:bodyPr/>
+          <a:lstStyle/>
+          <a:p>
+            <a:r>
+              <a:rPr lang="fr-FR" dirty="0" err="1"/>
+              <a:t>Requirements</a:t>
+            </a:r>
+            <a:r>
+              <a:rPr lang="fr-FR" dirty="0"/>
+              <a:t> </a:t>
+            </a:r>
+            <a:r>
+              <a:rPr lang="fr-FR" dirty="0" err="1" smtClean="0"/>
+              <a:t>Analysis</a:t>
+            </a:r>
+            <a:endParaRPr lang="fr-FR" dirty="0"/>
+          </a:p>
+        </p:txBody>
+      </p:sp>
+      <p:pic>
+        <p:nvPicPr>
+          <p:cNvPr id="8" name="Image 3"/>
+          <p:cNvPicPr/>
+          <p:nvPr/>
+        </p:nvPicPr>
+        <p:blipFill>
+          <a:blip r:embed="rId2"/>
+          <a:stretch/>
+        </p:blipFill>
+        <p:spPr>
+          <a:xfrm>
+            <a:off x="1691680" y="1244104"/>
+            <a:ext cx="2401200" cy="4921200"/>
+          </a:xfrm>
+          <a:prstGeom prst="rect">
+            <a:avLst/>
+          </a:prstGeom>
+          <a:ln>
+            <a:noFill/>
+          </a:ln>
+        </p:spPr>
+      </p:pic>
+      <p:pic>
+        <p:nvPicPr>
+          <p:cNvPr id="9" name="Image 4"/>
+          <p:cNvPicPr/>
+          <p:nvPr/>
+        </p:nvPicPr>
+        <p:blipFill>
+          <a:blip r:embed="rId3"/>
+          <a:stretch/>
+        </p:blipFill>
+        <p:spPr>
+          <a:xfrm>
+            <a:off x="5076056" y="1244104"/>
+            <a:ext cx="2401200" cy="4921200"/>
+          </a:xfrm>
+          <a:prstGeom prst="rect">
+            <a:avLst/>
+          </a:prstGeom>
+          <a:ln>
+            <a:noFill/>
+          </a:ln>
+        </p:spPr>
+      </p:pic>
+    </p:spTree>
+    <p:extLst>
+      <p:ext uri="{BB962C8B-B14F-4D97-AF65-F5344CB8AC3E}">
+        <p14:creationId xmlns:p14="http://schemas.microsoft.com/office/powerpoint/2010/main" val="2707787447"/>
+      </p:ext>
+    </p:extLst>
+  </p:cSld>
+  <p:clrMapOvr>
+    <a:masterClrMapping/>
+  </p:clrMapOvr>
+  <p:timing>
+    <p:tnLst>
+      <p:par>
+        <p:cTn id="1" dur="indefinite" restart="never" nodeType="tmRoot"/>
+      </p:par>
+    </p:tnLst>
+  </p:timing>
+</p:sld>
+</file>
+
+<file path=ppt/slides/slide11.xml><?xml version="1.0" encoding="utf-8"?>
+<p:sld xmlns:a="http://schemas.openxmlformats.org/drawingml/2006/main" xmlns:r="http://schemas.openxmlformats.org/officeDocument/2006/relationships" xmlns:p="http://schemas.openxmlformats.org/presentationml/2006/main">
+  <p:cSld>
+    <p:spTree>
+      <p:nvGrpSpPr>
+        <p:cNvPr id="1" name=""/>
+        <p:cNvGrpSpPr/>
+        <p:nvPr/>
+      </p:nvGrpSpPr>
+      <p:grpSpPr>
+        <a:xfrm>
+          <a:off x="0" y="0"/>
+          <a:ext cx="0" cy="0"/>
+          <a:chOff x="0" y="0"/>
+          <a:chExt cx="0" cy="0"/>
+        </a:xfrm>
+      </p:grpSpPr>
+      <p:sp>
+        <p:nvSpPr>
+          <p:cNvPr id="2" name="Espace réservé du pied de page 1"/>
+          <p:cNvSpPr>
+            <a:spLocks noGrp="1"/>
+          </p:cNvSpPr>
+          <p:nvPr>
+            <p:ph type="ftr" idx="10"/>
+          </p:nvPr>
+        </p:nvSpPr>
+        <p:spPr/>
+        <p:txBody>
+          <a:bodyPr/>
+          <a:lstStyle/>
+          <a:p>
+            <a:r>
+              <a:rPr lang="en-GB" spc="-1" smtClean="0">
+                <a:uFill>
+                  <a:solidFill>
+                    <a:srgbClr val="FFFFFF"/>
+                  </a:solidFill>
+                </a:uFill>
+              </a:rPr>
+              <a:t>Vianney Payelle - Rémi Rigal - Noëlie Ramuzat</a:t>
+            </a:r>
+            <a:endParaRPr lang="en-GB" spc="-1" dirty="0" smtClean="0">
+              <a:uFill>
+                <a:solidFill>
+                  <a:srgbClr val="FFFFFF"/>
+                </a:solidFill>
+              </a:uFill>
+            </a:endParaRPr>
+          </a:p>
+        </p:txBody>
+      </p:sp>
+      <p:sp>
+        <p:nvSpPr>
+          <p:cNvPr id="3" name="Espace réservé du numéro de diapositive 2"/>
+          <p:cNvSpPr>
+            <a:spLocks noGrp="1"/>
+          </p:cNvSpPr>
+          <p:nvPr>
+            <p:ph type="sldNum" idx="11"/>
+          </p:nvPr>
+        </p:nvSpPr>
+        <p:spPr/>
+        <p:txBody>
+          <a:bodyPr/>
+          <a:lstStyle/>
+          <a:p>
+            <a:pPr algn="r"/>
+            <a:fld id="{F5BAF730-A7AF-4541-B8A9-FAA7C97232A3}" type="slidenum">
+              <a:rPr lang="en-GB" sz="1200" spc="-1" smtClean="0">
+                <a:uFill>
+                  <a:solidFill>
+                    <a:srgbClr val="FFFFFF"/>
+                  </a:solidFill>
+                </a:uFill>
+                <a:latin typeface="Calibri"/>
+              </a:rPr>
+              <a:pPr algn="r"/>
+              <a:t>11</a:t>
             </a:fld>
             <a:endParaRPr lang="en-GB" sz="1400" spc="-1" dirty="0">
               <a:uFill>
@@ -2721,7 +2910,7 @@
 </p:sld>
 </file>
 
-<file path=ppt/slides/slide11.xml><?xml version="1.0" encoding="utf-8"?>
+<file path=ppt/slides/slide12.xml><?xml version="1.0" encoding="utf-8"?>
 <p:sld xmlns:a="http://schemas.openxmlformats.org/drawingml/2006/main" xmlns:r="http://schemas.openxmlformats.org/officeDocument/2006/relationships" xmlns:p="http://schemas.openxmlformats.org/presentationml/2006/main">
   <p:cSld>
     <p:spTree>
@@ -2799,7 +2988,7 @@
                 <a:latin typeface="Calibri"/>
               </a:rPr>
               <a:pPr algn="r"/>
-              <a:t>11</a:t>
+              <a:t>12</a:t>
             </a:fld>
             <a:endParaRPr lang="en-GB" sz="1400" spc="-1" dirty="0">
               <a:uFill>
@@ -2879,7 +3068,7 @@
 </p:sld>
 </file>
 
-<file path=ppt/slides/slide12.xml><?xml version="1.0" encoding="utf-8"?>
+<file path=ppt/slides/slide13.xml><?xml version="1.0" encoding="utf-8"?>
 <p:sld xmlns:a="http://schemas.openxmlformats.org/drawingml/2006/main" xmlns:r="http://schemas.openxmlformats.org/officeDocument/2006/relationships" xmlns:p="http://schemas.openxmlformats.org/presentationml/2006/main">
   <p:cSld>
     <p:spTree>
@@ -2957,7 +3146,7 @@
                 <a:latin typeface="Calibri"/>
               </a:rPr>
               <a:pPr algn="r"/>
-              <a:t>12</a:t>
+              <a:t>13</a:t>
             </a:fld>
             <a:endParaRPr lang="en-GB" sz="1400" spc="-1" dirty="0">
               <a:uFill>
@@ -3035,7 +3224,7 @@
 </p:sld>
 </file>
 
-<file path=ppt/slides/slide13.xml><?xml version="1.0" encoding="utf-8"?>
+<file path=ppt/slides/slide14.xml><?xml version="1.0" encoding="utf-8"?>
 <p:sld xmlns:a="http://schemas.openxmlformats.org/drawingml/2006/main" xmlns:r="http://schemas.openxmlformats.org/officeDocument/2006/relationships" xmlns:p="http://schemas.openxmlformats.org/presentationml/2006/main">
   <p:cSld>
     <p:spTree>
@@ -3113,7 +3302,7 @@
                 <a:latin typeface="Calibri"/>
               </a:rPr>
               <a:pPr algn="r"/>
-              <a:t>13</a:t>
+              <a:t>14</a:t>
             </a:fld>
             <a:endParaRPr lang="en-GB" sz="1400" spc="-1" dirty="0">
               <a:uFill>
@@ -3212,7 +3401,7 @@
 </p:sld>
 </file>
 
-<file path=ppt/slides/slide14.xml><?xml version="1.0" encoding="utf-8"?>
+<file path=ppt/slides/slide15.xml><?xml version="1.0" encoding="utf-8"?>
 <p:sld xmlns:a="http://schemas.openxmlformats.org/drawingml/2006/main" xmlns:r="http://schemas.openxmlformats.org/officeDocument/2006/relationships" xmlns:p="http://schemas.openxmlformats.org/presentationml/2006/main">
   <p:cSld>
     <p:spTree>
@@ -3314,7 +3503,7 @@
                 <a:latin typeface="Calibri"/>
               </a:rPr>
               <a:pPr algn="r"/>
-              <a:t>14</a:t>
+              <a:t>15</a:t>
             </a:fld>
             <a:endParaRPr lang="en-GB" sz="1400" spc="-1" dirty="0">
               <a:uFill>
@@ -3374,7 +3563,7 @@
 </p:sld>
 </file>
 
-<file path=ppt/slides/slide15.xml><?xml version="1.0" encoding="utf-8"?>
+<file path=ppt/slides/slide16.xml><?xml version="1.0" encoding="utf-8"?>
 <p:sld xmlns:a="http://schemas.openxmlformats.org/drawingml/2006/main" xmlns:r="http://schemas.openxmlformats.org/officeDocument/2006/relationships" xmlns:p="http://schemas.openxmlformats.org/presentationml/2006/main">
   <p:cSld>
     <p:spTree>
@@ -3452,7 +3641,7 @@
                 <a:latin typeface="Calibri"/>
               </a:rPr>
               <a:pPr algn="r"/>
-              <a:t>15</a:t>
+              <a:t>16</a:t>
             </a:fld>
             <a:endParaRPr lang="en-GB" sz="1400" spc="-1" dirty="0">
               <a:uFill>
@@ -3631,49 +3820,49 @@
           <a:lstStyle/>
           <a:p>
             <a:r>
-              <a:rPr lang="en-US" smtClean="0"/>
+              <a:rPr lang="en-US" dirty="0" smtClean="0"/>
               <a:t>Goals</a:t>
             </a:r>
           </a:p>
           <a:p>
             <a:r>
-              <a:rPr lang="en-US" smtClean="0"/>
+              <a:rPr lang="en-US" dirty="0" smtClean="0"/>
               <a:t>Constraints</a:t>
             </a:r>
           </a:p>
           <a:p>
             <a:r>
-              <a:rPr lang="en-US" smtClean="0"/>
+              <a:rPr lang="en-US" dirty="0" smtClean="0"/>
               <a:t>Assumptions</a:t>
             </a:r>
           </a:p>
           <a:p>
             <a:r>
-              <a:rPr lang="en-US" smtClean="0"/>
+              <a:rPr lang="en-US" dirty="0" smtClean="0"/>
               <a:t>Requirements Analysis</a:t>
             </a:r>
           </a:p>
           <a:p>
             <a:r>
-              <a:rPr lang="en-US" smtClean="0"/>
+              <a:rPr lang="en-US" dirty="0" smtClean="0"/>
               <a:t>Scenarios</a:t>
             </a:r>
           </a:p>
           <a:p>
             <a:r>
-              <a:rPr lang="en-US" smtClean="0"/>
+              <a:rPr lang="en-US" dirty="0" smtClean="0"/>
               <a:t>Use Cases</a:t>
             </a:r>
           </a:p>
           <a:p>
             <a:r>
-              <a:rPr lang="en-US" smtClean="0"/>
+              <a:rPr lang="en-US" dirty="0" smtClean="0"/>
               <a:t>Class Diagram</a:t>
             </a:r>
           </a:p>
           <a:p>
             <a:r>
-              <a:rPr lang="en-US" smtClean="0"/>
+              <a:rPr lang="en-US" dirty="0" smtClean="0"/>
               <a:t>Alloy Model</a:t>
             </a:r>
             <a:endParaRPr lang="en-US" dirty="0"/>
@@ -3851,6 +4040,8 @@
                     <a:lumOff val="25000"/>
                   </a:schemeClr>
                 </a:solidFill>
+                <a:latin typeface="Calibri" panose="020F0502020204030204" pitchFamily="34" charset="0"/>
+                <a:cs typeface="Calibri" panose="020F0502020204030204" pitchFamily="34" charset="0"/>
               </a:rPr>
               <a:t>Register/log into the system </a:t>
             </a:r>
@@ -3865,6 +4056,8 @@
                     <a:lumOff val="25000"/>
                   </a:schemeClr>
                 </a:solidFill>
+                <a:latin typeface="Calibri" panose="020F0502020204030204" pitchFamily="34" charset="0"/>
+                <a:cs typeface="Calibri" panose="020F0502020204030204" pitchFamily="34" charset="0"/>
               </a:rPr>
               <a:t>Locate available cars within a distance around a position</a:t>
             </a:r>
@@ -3879,6 +4072,8 @@
                     <a:lumOff val="25000"/>
                   </a:schemeClr>
                 </a:solidFill>
+                <a:latin typeface="Calibri" panose="020F0502020204030204" pitchFamily="34" charset="0"/>
+                <a:cs typeface="Calibri" panose="020F0502020204030204" pitchFamily="34" charset="0"/>
               </a:rPr>
               <a:t>Reserve a car for up to 1hour </a:t>
             </a:r>
@@ -3893,6 +4088,8 @@
                     <a:lumOff val="25000"/>
                   </a:schemeClr>
                 </a:solidFill>
+                <a:latin typeface="Calibri" panose="020F0502020204030204" pitchFamily="34" charset="0"/>
+                <a:cs typeface="Calibri" panose="020F0502020204030204" pitchFamily="34" charset="0"/>
               </a:rPr>
               <a:t>Unlock a reserved car if he is close enough and pick it up</a:t>
             </a:r>
@@ -3907,6 +4104,8 @@
                     <a:lumOff val="25000"/>
                   </a:schemeClr>
                 </a:solidFill>
+                <a:latin typeface="Calibri" panose="020F0502020204030204" pitchFamily="34" charset="0"/>
+                <a:cs typeface="Calibri" panose="020F0502020204030204" pitchFamily="34" charset="0"/>
               </a:rPr>
               <a:t>Enable the saving money option and give his destination </a:t>
             </a:r>
@@ -3937,6 +4136,8 @@
                     <a:lumOff val="25000"/>
                   </a:schemeClr>
                 </a:solidFill>
+                <a:latin typeface="Calibri" panose="020F0502020204030204" pitchFamily="34" charset="0"/>
+                <a:cs typeface="Calibri" panose="020F0502020204030204" pitchFamily="34" charset="0"/>
               </a:rPr>
               <a:t>Start charging once the car ignites</a:t>
             </a:r>
@@ -3951,6 +4152,8 @@
                     <a:lumOff val="25000"/>
                   </a:schemeClr>
                 </a:solidFill>
+                <a:latin typeface="Calibri" panose="020F0502020204030204" pitchFamily="34" charset="0"/>
+                <a:cs typeface="Calibri" panose="020F0502020204030204" pitchFamily="34" charset="0"/>
               </a:rPr>
               <a:t>Stop charging once the car is parked in a safe area</a:t>
             </a:r>
@@ -3965,6 +4168,8 @@
                     <a:lumOff val="25000"/>
                   </a:schemeClr>
                 </a:solidFill>
+                <a:latin typeface="Calibri" panose="020F0502020204030204" pitchFamily="34" charset="0"/>
+                <a:cs typeface="Calibri" panose="020F0502020204030204" pitchFamily="34" charset="0"/>
               </a:rPr>
               <a:t>Apply discounts/charges according to the driver’s ride</a:t>
             </a:r>
@@ -3979,6 +4184,8 @@
                     <a:lumOff val="25000"/>
                   </a:schemeClr>
                 </a:solidFill>
+                <a:latin typeface="Calibri" panose="020F0502020204030204" pitchFamily="34" charset="0"/>
+                <a:cs typeface="Calibri" panose="020F0502020204030204" pitchFamily="34" charset="0"/>
               </a:rPr>
               <a:t>Provide a power grid station to the driver selecting  the saving money option </a:t>
             </a:r>
@@ -3993,6 +4200,8 @@
                     <a:lumOff val="25000"/>
                   </a:schemeClr>
                 </a:solidFill>
+                <a:latin typeface="Calibri" panose="020F0502020204030204" pitchFamily="34" charset="0"/>
+                <a:cs typeface="Calibri" panose="020F0502020204030204" pitchFamily="34" charset="0"/>
               </a:rPr>
               <a:t>Inform the driver of the cost in real time </a:t>
             </a:r>
@@ -4007,6 +4216,8 @@
                     <a:lumOff val="25000"/>
                   </a:schemeClr>
                 </a:solidFill>
+                <a:latin typeface="Calibri" panose="020F0502020204030204" pitchFamily="34" charset="0"/>
+                <a:cs typeface="Calibri" panose="020F0502020204030204" pitchFamily="34" charset="0"/>
               </a:rPr>
               <a:t>Provide the price of the ride at the </a:t>
             </a:r>
@@ -4018,6 +4229,8 @@
                     <a:lumOff val="25000"/>
                   </a:schemeClr>
                 </a:solidFill>
+                <a:latin typeface="Calibri" panose="020F0502020204030204" pitchFamily="34" charset="0"/>
+                <a:cs typeface="Calibri" panose="020F0502020204030204" pitchFamily="34" charset="0"/>
               </a:rPr>
               <a:t>end</a:t>
             </a:r>
@@ -4028,6 +4241,8 @@
                   <a:lumOff val="25000"/>
                 </a:schemeClr>
               </a:solidFill>
+              <a:latin typeface="Calibri" panose="020F0502020204030204" pitchFamily="34" charset="0"/>
+              <a:cs typeface="Calibri" panose="020F0502020204030204" pitchFamily="34" charset="0"/>
             </a:endParaRPr>
           </a:p>
         </p:txBody>
@@ -4196,19 +4411,12 @@
           </a:p>
           <a:p>
             <a:r>
+              <a:rPr lang="en-US" dirty="0" smtClean="0"/>
+              <a:t>The </a:t>
+            </a:r>
+            <a:r>
               <a:rPr lang="en-US" dirty="0"/>
-              <a:t>The car position can be known at anytime, </a:t>
-            </a:r>
-            <a:r>
-              <a:rPr lang="en-US" dirty="0" smtClean="0"/>
-              <a:t>anywhere</a:t>
-            </a:r>
-            <a:endParaRPr lang="en-US" dirty="0"/>
-          </a:p>
-          <a:p>
-            <a:r>
-              <a:rPr lang="en-US" dirty="0"/>
-              <a:t>The system is compliant with local laws about drivers’ </a:t>
+              <a:t>system is compliant with local laws about drivers’ </a:t>
             </a:r>
             <a:r>
               <a:rPr lang="en-US" dirty="0" smtClean="0"/>
@@ -4377,42 +4585,48 @@
               <a:buNone/>
             </a:pPr>
             <a:r>
-              <a:rPr lang="en-US" sz="1600" b="1" dirty="0"/>
+              <a:rPr lang="en-US" sz="2000" b="1" dirty="0"/>
               <a:t>The driver </a:t>
             </a:r>
           </a:p>
           <a:p>
             <a:pPr lvl="1"/>
             <a:r>
-              <a:rPr lang="en-US" sz="1600" dirty="0">
+              <a:rPr lang="en-US" sz="2000" dirty="0">
                 <a:solidFill>
                   <a:schemeClr val="tx1">
                     <a:lumMod val="75000"/>
                     <a:lumOff val="25000"/>
                   </a:schemeClr>
                 </a:solidFill>
+                <a:latin typeface="Calibri" panose="020F0502020204030204" pitchFamily="34" charset="0"/>
+                <a:cs typeface="Calibri" panose="020F0502020204030204" pitchFamily="34" charset="0"/>
               </a:rPr>
               <a:t>Has a driver license, piece of identity, mean of payment, smartphone with </a:t>
             </a:r>
             <a:r>
-              <a:rPr lang="en-US" sz="1600" dirty="0" smtClean="0">
+              <a:rPr lang="en-US" sz="2000" dirty="0" smtClean="0">
                 <a:solidFill>
                   <a:schemeClr val="tx1">
                     <a:lumMod val="75000"/>
                     <a:lumOff val="25000"/>
                   </a:schemeClr>
                 </a:solidFill>
+                <a:latin typeface="Calibri" panose="020F0502020204030204" pitchFamily="34" charset="0"/>
+                <a:cs typeface="Calibri" panose="020F0502020204030204" pitchFamily="34" charset="0"/>
               </a:rPr>
               <a:t>localization </a:t>
             </a:r>
             <a:r>
-              <a:rPr lang="en-US" sz="1600" dirty="0">
+              <a:rPr lang="en-US" sz="2000" dirty="0">
                 <a:solidFill>
                   <a:schemeClr val="tx1">
                     <a:lumMod val="75000"/>
                     <a:lumOff val="25000"/>
                   </a:schemeClr>
                 </a:solidFill>
+                <a:latin typeface="Calibri" panose="020F0502020204030204" pitchFamily="34" charset="0"/>
+                <a:cs typeface="Calibri" panose="020F0502020204030204" pitchFamily="34" charset="0"/>
               </a:rPr>
               <a:t>system</a:t>
             </a:r>
@@ -4420,13 +4634,15 @@
           <a:p>
             <a:pPr lvl="1"/>
             <a:r>
-              <a:rPr lang="en-US" sz="1600" dirty="0">
+              <a:rPr lang="en-US" sz="2000" dirty="0">
                 <a:solidFill>
                   <a:schemeClr val="tx1">
                     <a:lumMod val="75000"/>
                     <a:lumOff val="25000"/>
                   </a:schemeClr>
                 </a:solidFill>
+                <a:latin typeface="Calibri" panose="020F0502020204030204" pitchFamily="34" charset="0"/>
+                <a:cs typeface="Calibri" panose="020F0502020204030204" pitchFamily="34" charset="0"/>
               </a:rPr>
               <a:t>Is legally responsible for his actions</a:t>
             </a:r>
@@ -4434,13 +4650,15 @@
           <a:p>
             <a:pPr lvl="1"/>
             <a:r>
-              <a:rPr lang="en-US" sz="1600" dirty="0">
+              <a:rPr lang="en-US" sz="2000" dirty="0">
                 <a:solidFill>
                   <a:schemeClr val="tx1">
                     <a:lumMod val="75000"/>
                     <a:lumOff val="25000"/>
                   </a:schemeClr>
                 </a:solidFill>
+                <a:latin typeface="Calibri" panose="020F0502020204030204" pitchFamily="34" charset="0"/>
+                <a:cs typeface="Calibri" panose="020F0502020204030204" pitchFamily="34" charset="0"/>
               </a:rPr>
               <a:t>Will ignite the engine after unlock it</a:t>
             </a:r>
@@ -4448,173 +4666,123 @@
           <a:p>
             <a:pPr lvl="1"/>
             <a:r>
-              <a:rPr lang="en-US" sz="1600" dirty="0">
+              <a:rPr lang="en-US" sz="2000" dirty="0">
                 <a:solidFill>
                   <a:schemeClr val="tx1">
                     <a:lumMod val="75000"/>
                     <a:lumOff val="25000"/>
                   </a:schemeClr>
                 </a:solidFill>
-              </a:rPr>
-              <a:t>Provides reliable details</a:t>
-            </a:r>
-          </a:p>
-          <a:p>
-            <a:pPr marL="0" indent="0">
-              <a:buNone/>
-            </a:pPr>
-            <a:r>
-              <a:rPr lang="en-US" sz="1600" b="1" dirty="0"/>
-              <a:t>The system </a:t>
-            </a:r>
-          </a:p>
-          <a:p>
-            <a:pPr lvl="1"/>
-            <a:r>
-              <a:rPr lang="en-US" sz="1600" dirty="0">
+                <a:latin typeface="Calibri" panose="020F0502020204030204" pitchFamily="34" charset="0"/>
+                <a:cs typeface="Calibri" panose="020F0502020204030204" pitchFamily="34" charset="0"/>
+              </a:rPr>
+              <a:t>Provides reliable </a:t>
+            </a:r>
+            <a:r>
+              <a:rPr lang="en-US" sz="2000" dirty="0" smtClean="0">
                 <a:solidFill>
                   <a:schemeClr val="tx1">
                     <a:lumMod val="75000"/>
                     <a:lumOff val="25000"/>
                   </a:schemeClr>
                 </a:solidFill>
-              </a:rPr>
-              <a:t>Can communicates with the car at anytime, anywhere (knows its position…)</a:t>
+                <a:latin typeface="Calibri" panose="020F0502020204030204" pitchFamily="34" charset="0"/>
+                <a:cs typeface="Calibri" panose="020F0502020204030204" pitchFamily="34" charset="0"/>
+              </a:rPr>
+              <a:t>details</a:t>
             </a:r>
           </a:p>
           <a:p>
             <a:pPr lvl="1"/>
-            <a:r>
-              <a:rPr lang="en-US" sz="1600" dirty="0">
-                <a:solidFill>
-                  <a:schemeClr val="tx1">
-                    <a:lumMod val="75000"/>
-                    <a:lumOff val="25000"/>
-                  </a:schemeClr>
-                </a:solidFill>
-              </a:rPr>
-              <a:t>Can only be accessed by the smartphone application </a:t>
-            </a:r>
-          </a:p>
-          <a:p>
-            <a:pPr lvl="1"/>
-            <a:r>
-              <a:rPr lang="en-US" sz="1600" dirty="0">
-                <a:solidFill>
-                  <a:schemeClr val="tx1">
-                    <a:lumMod val="75000"/>
-                    <a:lumOff val="25000"/>
-                  </a:schemeClr>
-                </a:solidFill>
-              </a:rPr>
-              <a:t>Knows the position of safe areas, special parking areas and power grid stations</a:t>
-            </a:r>
-          </a:p>
-          <a:p>
-            <a:pPr marL="0" indent="0">
-              <a:buNone/>
-            </a:pPr>
-            <a:r>
-              <a:rPr lang="en-US" sz="1600" b="1" dirty="0"/>
-              <a:t>The car</a:t>
-            </a:r>
-          </a:p>
-          <a:p>
-            <a:pPr lvl="1"/>
-            <a:r>
-              <a:rPr lang="en-US" sz="1600" dirty="0">
-                <a:solidFill>
-                  <a:schemeClr val="tx1">
-                    <a:lumMod val="75000"/>
-                    <a:lumOff val="25000"/>
-                  </a:schemeClr>
-                </a:solidFill>
-              </a:rPr>
-              <a:t>Can count the passengers number </a:t>
-            </a:r>
-          </a:p>
-          <a:p>
-            <a:pPr lvl="1"/>
-            <a:r>
-              <a:rPr lang="en-US" sz="1600" dirty="0">
-                <a:solidFill>
-                  <a:schemeClr val="tx1">
-                    <a:lumMod val="75000"/>
-                    <a:lumOff val="25000"/>
-                  </a:schemeClr>
-                </a:solidFill>
-              </a:rPr>
-              <a:t>Provides an interface to communicate with the driver</a:t>
-            </a:r>
-          </a:p>
-          <a:p>
-            <a:pPr lvl="1"/>
-            <a:r>
-              <a:rPr lang="en-US" sz="1600" dirty="0">
-                <a:solidFill>
-                  <a:schemeClr val="tx1">
-                    <a:lumMod val="75000"/>
-                    <a:lumOff val="25000"/>
-                  </a:schemeClr>
-                </a:solidFill>
-              </a:rPr>
-              <a:t>Is set to unavailable by the maintenance service when it is damaged </a:t>
-            </a:r>
-          </a:p>
-          <a:p>
-            <a:pPr marL="0" indent="0">
-              <a:buNone/>
-            </a:pPr>
-            <a:r>
-              <a:rPr lang="en-US" sz="1600" b="1" dirty="0"/>
-              <a:t>The company</a:t>
-            </a:r>
-          </a:p>
-          <a:p>
-            <a:pPr lvl="1"/>
-            <a:r>
-              <a:rPr lang="en-US" sz="1600" dirty="0">
-                <a:solidFill>
-                  <a:schemeClr val="tx1">
-                    <a:lumMod val="75000"/>
-                    <a:lumOff val="25000"/>
-                  </a:schemeClr>
-                </a:solidFill>
-              </a:rPr>
-              <a:t>Has a maintenance and insurance service for cars</a:t>
-            </a:r>
-          </a:p>
-          <a:p>
-            <a:pPr lvl="1"/>
-            <a:r>
-              <a:rPr lang="en-US" sz="1600" dirty="0">
-                <a:solidFill>
-                  <a:schemeClr val="tx1">
-                    <a:lumMod val="75000"/>
-                    <a:lumOff val="25000"/>
-                  </a:schemeClr>
-                </a:solidFill>
-              </a:rPr>
-              <a:t>Provides a sufficient amount of safe areas/power grid stations to cover the </a:t>
-            </a:r>
-            <a:r>
-              <a:rPr lang="en-US" sz="1600" dirty="0" smtClean="0">
-                <a:solidFill>
-                  <a:schemeClr val="tx1">
-                    <a:lumMod val="75000"/>
-                    <a:lumOff val="25000"/>
-                  </a:schemeClr>
-                </a:solidFill>
-              </a:rPr>
-              <a:t>city</a:t>
-            </a:r>
-            <a:endParaRPr lang="en-US" sz="1600" dirty="0">
+            <a:endParaRPr lang="en-US" sz="2000" dirty="0">
               <a:solidFill>
                 <a:schemeClr val="tx1">
                   <a:lumMod val="75000"/>
                   <a:lumOff val="25000"/>
                 </a:schemeClr>
               </a:solidFill>
+              <a:latin typeface="Calibri" panose="020F0502020204030204" pitchFamily="34" charset="0"/>
+              <a:cs typeface="Calibri" panose="020F0502020204030204" pitchFamily="34" charset="0"/>
+            </a:endParaRPr>
+          </a:p>
+          <a:p>
+            <a:pPr marL="0" indent="0">
+              <a:buNone/>
+            </a:pPr>
+            <a:r>
+              <a:rPr lang="en-US" sz="2000" b="1" dirty="0"/>
+              <a:t>The system </a:t>
+            </a:r>
+          </a:p>
+          <a:p>
+            <a:pPr lvl="1"/>
+            <a:r>
+              <a:rPr lang="en-US" sz="2000" dirty="0">
+                <a:solidFill>
+                  <a:schemeClr val="tx1">
+                    <a:lumMod val="75000"/>
+                    <a:lumOff val="25000"/>
+                  </a:schemeClr>
+                </a:solidFill>
+                <a:latin typeface="Calibri" panose="020F0502020204030204" pitchFamily="34" charset="0"/>
+                <a:cs typeface="Calibri" panose="020F0502020204030204" pitchFamily="34" charset="0"/>
+              </a:rPr>
+              <a:t>Can communicates with the car at anytime, anywhere (knows its position…)</a:t>
+            </a:r>
+          </a:p>
+          <a:p>
+            <a:pPr lvl="1"/>
+            <a:r>
+              <a:rPr lang="en-US" sz="2000" dirty="0">
+                <a:solidFill>
+                  <a:schemeClr val="tx1">
+                    <a:lumMod val="75000"/>
+                    <a:lumOff val="25000"/>
+                  </a:schemeClr>
+                </a:solidFill>
+                <a:latin typeface="Calibri" panose="020F0502020204030204" pitchFamily="34" charset="0"/>
+                <a:cs typeface="Calibri" panose="020F0502020204030204" pitchFamily="34" charset="0"/>
+              </a:rPr>
+              <a:t>Can only be accessed by the smartphone application </a:t>
+            </a:r>
+          </a:p>
+          <a:p>
+            <a:pPr lvl="1"/>
+            <a:r>
+              <a:rPr lang="en-US" sz="2000" dirty="0">
+                <a:solidFill>
+                  <a:schemeClr val="tx1">
+                    <a:lumMod val="75000"/>
+                    <a:lumOff val="25000"/>
+                  </a:schemeClr>
+                </a:solidFill>
+                <a:latin typeface="Calibri" panose="020F0502020204030204" pitchFamily="34" charset="0"/>
+                <a:cs typeface="Calibri" panose="020F0502020204030204" pitchFamily="34" charset="0"/>
+              </a:rPr>
+              <a:t>Knows the position of safe areas, special parking areas and power grid </a:t>
+            </a:r>
+            <a:r>
+              <a:rPr lang="en-US" sz="2000" dirty="0" smtClean="0">
+                <a:solidFill>
+                  <a:schemeClr val="tx1">
+                    <a:lumMod val="75000"/>
+                    <a:lumOff val="25000"/>
+                  </a:schemeClr>
+                </a:solidFill>
+                <a:latin typeface="Calibri" panose="020F0502020204030204" pitchFamily="34" charset="0"/>
+                <a:cs typeface="Calibri" panose="020F0502020204030204" pitchFamily="34" charset="0"/>
+              </a:rPr>
+              <a:t>stations</a:t>
+            </a:r>
+            <a:endParaRPr lang="en-US" sz="2000" dirty="0">
+              <a:solidFill>
+                <a:schemeClr val="tx1">
+                  <a:lumMod val="75000"/>
+                  <a:lumOff val="25000"/>
+                </a:schemeClr>
+              </a:solidFill>
+              <a:latin typeface="Calibri" panose="020F0502020204030204" pitchFamily="34" charset="0"/>
+              <a:cs typeface="Calibri" panose="020F0502020204030204" pitchFamily="34" charset="0"/>
             </a:endParaRPr>
           </a:p>
         </p:txBody>
@@ -4755,7 +4923,7 @@
       </p:grpSpPr>
       <p:sp>
         <p:nvSpPr>
-          <p:cNvPr id="2" name="Sous-titre 1"/>
+          <p:cNvPr id="6" name="Sous-titre 5"/>
           <p:cNvSpPr>
             <a:spLocks noGrp="1"/>
           </p:cNvSpPr>
@@ -4768,75 +4936,144 @@
           <a:bodyPr/>
           <a:lstStyle/>
           <a:p>
-            <a:r>
-              <a:rPr lang="en-US" dirty="0" smtClean="0"/>
-              <a:t>Management </a:t>
-            </a:r>
-            <a:r>
-              <a:rPr lang="en-US" dirty="0"/>
-              <a:t>of driver’s </a:t>
-            </a:r>
-            <a:r>
-              <a:rPr lang="en-US" dirty="0" smtClean="0"/>
-              <a:t>details and </a:t>
-            </a:r>
-            <a:r>
-              <a:rPr lang="en-US" dirty="0"/>
-              <a:t>access</a:t>
-            </a:r>
-          </a:p>
-          <a:p>
-            <a:r>
-              <a:rPr lang="en-US" dirty="0"/>
-              <a:t>Security/Confidentiality for registration, log in and payment</a:t>
-            </a:r>
-          </a:p>
-          <a:p>
-            <a:r>
-              <a:rPr lang="en-US" dirty="0"/>
-              <a:t>Management of car and drivers status</a:t>
-            </a:r>
-          </a:p>
-          <a:p>
-            <a:r>
-              <a:rPr lang="en-US" dirty="0"/>
-              <a:t>Management of reservation and reservation fee’s</a:t>
-            </a:r>
-          </a:p>
-          <a:p>
-            <a:r>
-              <a:rPr lang="en-US" dirty="0"/>
-              <a:t>Management of car’s access for the driver</a:t>
-            </a:r>
-          </a:p>
-          <a:p>
-            <a:r>
-              <a:rPr lang="en-US" dirty="0"/>
-              <a:t>Management of the different areas in the system</a:t>
-            </a:r>
-          </a:p>
-          <a:p>
-            <a:r>
-              <a:rPr lang="en-US" dirty="0"/>
-              <a:t>Management of ride and eventually discounts </a:t>
-            </a:r>
-          </a:p>
-          <a:p>
-            <a:r>
-              <a:rPr lang="en-US" dirty="0"/>
-              <a:t>Management of car’s battery level</a:t>
-            </a:r>
-          </a:p>
-          <a:p>
-            <a:r>
-              <a:rPr lang="en-US" dirty="0"/>
-              <a:t>Communication with </a:t>
-            </a:r>
-            <a:r>
-              <a:rPr lang="en-US" dirty="0" smtClean="0"/>
-              <a:t>car</a:t>
-            </a:r>
-            <a:endParaRPr lang="en-US" dirty="0"/>
+            <a:pPr marL="0" indent="0">
+              <a:buNone/>
+            </a:pPr>
+            <a:r>
+              <a:rPr lang="en-US" sz="2000" b="1" dirty="0"/>
+              <a:t>The car</a:t>
+            </a:r>
+          </a:p>
+          <a:p>
+            <a:pPr lvl="1"/>
+            <a:r>
+              <a:rPr lang="en-US" sz="2000" dirty="0">
+                <a:solidFill>
+                  <a:schemeClr val="tx1">
+                    <a:lumMod val="75000"/>
+                    <a:lumOff val="25000"/>
+                  </a:schemeClr>
+                </a:solidFill>
+                <a:latin typeface="Calibri" panose="020F0502020204030204" pitchFamily="34" charset="0"/>
+                <a:cs typeface="Calibri" panose="020F0502020204030204" pitchFamily="34" charset="0"/>
+              </a:rPr>
+              <a:t>The car position can be known at anytime, anywhere</a:t>
+            </a:r>
+          </a:p>
+          <a:p>
+            <a:pPr lvl="1"/>
+            <a:r>
+              <a:rPr lang="en-US" sz="2000" dirty="0">
+                <a:solidFill>
+                  <a:schemeClr val="tx1">
+                    <a:lumMod val="75000"/>
+                    <a:lumOff val="25000"/>
+                  </a:schemeClr>
+                </a:solidFill>
+                <a:latin typeface="Calibri" panose="020F0502020204030204" pitchFamily="34" charset="0"/>
+                <a:cs typeface="Calibri" panose="020F0502020204030204" pitchFamily="34" charset="0"/>
+              </a:rPr>
+              <a:t>Can count the passengers number </a:t>
+            </a:r>
+          </a:p>
+          <a:p>
+            <a:pPr lvl="1"/>
+            <a:r>
+              <a:rPr lang="en-US" sz="2000" dirty="0">
+                <a:solidFill>
+                  <a:schemeClr val="tx1">
+                    <a:lumMod val="75000"/>
+                    <a:lumOff val="25000"/>
+                  </a:schemeClr>
+                </a:solidFill>
+                <a:latin typeface="Calibri" panose="020F0502020204030204" pitchFamily="34" charset="0"/>
+                <a:cs typeface="Calibri" panose="020F0502020204030204" pitchFamily="34" charset="0"/>
+              </a:rPr>
+              <a:t>Provides an interface to communicate with the driver</a:t>
+            </a:r>
+          </a:p>
+          <a:p>
+            <a:pPr lvl="1"/>
+            <a:r>
+              <a:rPr lang="en-US" sz="2000" dirty="0">
+                <a:solidFill>
+                  <a:schemeClr val="tx1">
+                    <a:lumMod val="75000"/>
+                    <a:lumOff val="25000"/>
+                  </a:schemeClr>
+                </a:solidFill>
+                <a:latin typeface="Calibri" panose="020F0502020204030204" pitchFamily="34" charset="0"/>
+                <a:cs typeface="Calibri" panose="020F0502020204030204" pitchFamily="34" charset="0"/>
+              </a:rPr>
+              <a:t>Is set to unavailable by the maintenance service when it is damaged </a:t>
+            </a:r>
+            <a:endParaRPr lang="en-US" sz="2000" dirty="0" smtClean="0">
+              <a:solidFill>
+                <a:schemeClr val="tx1">
+                  <a:lumMod val="75000"/>
+                  <a:lumOff val="25000"/>
+                </a:schemeClr>
+              </a:solidFill>
+              <a:latin typeface="Calibri" panose="020F0502020204030204" pitchFamily="34" charset="0"/>
+              <a:cs typeface="Calibri" panose="020F0502020204030204" pitchFamily="34" charset="0"/>
+            </a:endParaRPr>
+          </a:p>
+          <a:p>
+            <a:pPr lvl="1"/>
+            <a:endParaRPr lang="en-US" sz="2000" dirty="0">
+              <a:solidFill>
+                <a:schemeClr val="tx1">
+                  <a:lumMod val="75000"/>
+                  <a:lumOff val="25000"/>
+                </a:schemeClr>
+              </a:solidFill>
+              <a:latin typeface="Calibri" panose="020F0502020204030204" pitchFamily="34" charset="0"/>
+              <a:cs typeface="Calibri" panose="020F0502020204030204" pitchFamily="34" charset="0"/>
+            </a:endParaRPr>
+          </a:p>
+          <a:p>
+            <a:pPr marL="0" indent="0">
+              <a:buNone/>
+            </a:pPr>
+            <a:r>
+              <a:rPr lang="en-US" sz="2000" b="1" dirty="0"/>
+              <a:t>The company</a:t>
+            </a:r>
+          </a:p>
+          <a:p>
+            <a:pPr lvl="1"/>
+            <a:r>
+              <a:rPr lang="en-US" sz="2000" dirty="0">
+                <a:solidFill>
+                  <a:schemeClr val="tx1">
+                    <a:lumMod val="75000"/>
+                    <a:lumOff val="25000"/>
+                  </a:schemeClr>
+                </a:solidFill>
+                <a:latin typeface="Calibri" panose="020F0502020204030204" pitchFamily="34" charset="0"/>
+                <a:cs typeface="Calibri" panose="020F0502020204030204" pitchFamily="34" charset="0"/>
+              </a:rPr>
+              <a:t>Has a maintenance and insurance service for cars</a:t>
+            </a:r>
+          </a:p>
+          <a:p>
+            <a:pPr lvl="1"/>
+            <a:r>
+              <a:rPr lang="en-US" sz="2000" dirty="0">
+                <a:solidFill>
+                  <a:schemeClr val="tx1">
+                    <a:lumMod val="75000"/>
+                    <a:lumOff val="25000"/>
+                  </a:schemeClr>
+                </a:solidFill>
+                <a:latin typeface="Calibri" panose="020F0502020204030204" pitchFamily="34" charset="0"/>
+                <a:cs typeface="Calibri" panose="020F0502020204030204" pitchFamily="34" charset="0"/>
+              </a:rPr>
+              <a:t>Provides a sufficient amount of safe areas/power grid stations to cover the city</a:t>
+            </a:r>
+          </a:p>
+          <a:p>
+            <a:endParaRPr lang="fr-FR" sz="2000" dirty="0"/>
           </a:p>
         </p:txBody>
       </p:sp>
@@ -4916,7 +5153,7 @@
       </p:sp>
       <p:sp>
         <p:nvSpPr>
-          <p:cNvPr id="5" name="Espace réservé du texte 4"/>
+          <p:cNvPr id="7" name="Espace réservé du texte 6"/>
           <p:cNvSpPr>
             <a:spLocks noGrp="1"/>
           </p:cNvSpPr>
@@ -4930,16 +5167,8 @@
           <a:lstStyle/>
           <a:p>
             <a:r>
-              <a:rPr lang="fr-FR" dirty="0" err="1"/>
-              <a:t>Requirements</a:t>
-            </a:r>
-            <a:r>
-              <a:rPr lang="fr-FR" dirty="0"/>
-              <a:t> </a:t>
-            </a:r>
-            <a:r>
               <a:rPr lang="fr-FR" dirty="0" err="1" smtClean="0"/>
-              <a:t>Analysis</a:t>
+              <a:t>Assumptions</a:t>
             </a:r>
             <a:endParaRPr lang="fr-FR" dirty="0"/>
           </a:p>
@@ -4948,20 +5177,13 @@
     </p:spTree>
     <p:extLst>
       <p:ext uri="{BB962C8B-B14F-4D97-AF65-F5344CB8AC3E}">
-        <p14:creationId xmlns:p14="http://schemas.microsoft.com/office/powerpoint/2010/main" val="379187845"/>
+        <p14:creationId xmlns:p14="http://schemas.microsoft.com/office/powerpoint/2010/main" val="907660346"/>
       </p:ext>
     </p:extLst>
   </p:cSld>
   <p:clrMapOvr>
     <a:masterClrMapping/>
   </p:clrMapOvr>
-  <p:timing>
-    <p:tnLst>
-      <p:par>
-        <p:cTn id="1" dur="indefinite" restart="never" nodeType="tmRoot"/>
-      </p:par>
-    </p:tnLst>
-  </p:timing>
 </p:sld>
 </file>
 
@@ -4997,208 +5219,75 @@
           <a:bodyPr/>
           <a:lstStyle/>
           <a:p>
-            <a:pPr marL="432000" indent="-324000">
-              <a:buClr>
-                <a:srgbClr val="000000"/>
-              </a:buClr>
-              <a:buSzPct val="45000"/>
-              <a:buFont typeface="Wingdings" charset="2"/>
-              <a:buChar char=""/>
-            </a:pPr>
-            <a:r>
-              <a:rPr lang="fr-FR" spc="-1" dirty="0" err="1" smtClean="0">
-                <a:uFill>
-                  <a:solidFill>
-                    <a:srgbClr val="FFFFFF"/>
-                  </a:solidFill>
-                </a:uFill>
-                <a:latin typeface="Calibri"/>
-              </a:rPr>
-              <a:t>Algorithm</a:t>
-            </a:r>
-            <a:r>
-              <a:rPr lang="fr-FR" spc="-1" dirty="0" smtClean="0">
-                <a:uFill>
-                  <a:solidFill>
-                    <a:srgbClr val="FFFFFF"/>
-                  </a:solidFill>
-                </a:uFill>
-                <a:latin typeface="Calibri"/>
-              </a:rPr>
-              <a:t> </a:t>
-            </a:r>
-            <a:r>
-              <a:rPr lang="fr-FR" spc="-1" dirty="0">
-                <a:uFill>
-                  <a:solidFill>
-                    <a:srgbClr val="FFFFFF"/>
-                  </a:solidFill>
-                </a:uFill>
-                <a:latin typeface="Calibri"/>
-              </a:rPr>
-              <a:t>to </a:t>
-            </a:r>
-            <a:r>
-              <a:rPr lang="fr-FR" spc="-1" dirty="0" err="1">
-                <a:uFill>
-                  <a:solidFill>
-                    <a:srgbClr val="FFFFFF"/>
-                  </a:solidFill>
-                </a:uFill>
-                <a:latin typeface="Calibri"/>
-              </a:rPr>
-              <a:t>provide</a:t>
-            </a:r>
-            <a:r>
-              <a:rPr lang="fr-FR" spc="-1" dirty="0">
-                <a:uFill>
-                  <a:solidFill>
-                    <a:srgbClr val="FFFFFF"/>
-                  </a:solidFill>
-                </a:uFill>
-                <a:latin typeface="Calibri"/>
-              </a:rPr>
-              <a:t> </a:t>
-            </a:r>
-            <a:r>
-              <a:rPr lang="fr-FR" spc="-1" dirty="0" err="1">
-                <a:uFill>
-                  <a:solidFill>
-                    <a:srgbClr val="FFFFFF"/>
-                  </a:solidFill>
-                </a:uFill>
-                <a:latin typeface="Calibri"/>
-              </a:rPr>
-              <a:t>available</a:t>
-            </a:r>
-            <a:r>
-              <a:rPr lang="fr-FR" spc="-1" dirty="0">
-                <a:uFill>
-                  <a:solidFill>
-                    <a:srgbClr val="FFFFFF"/>
-                  </a:solidFill>
-                </a:uFill>
-                <a:latin typeface="Calibri"/>
-              </a:rPr>
-              <a:t> cars to </a:t>
-            </a:r>
-            <a:r>
-              <a:rPr lang="fr-FR" spc="-1" dirty="0" smtClean="0">
-                <a:uFill>
-                  <a:solidFill>
-                    <a:srgbClr val="FFFFFF"/>
-                  </a:solidFill>
-                </a:uFill>
-                <a:latin typeface="Calibri"/>
-              </a:rPr>
-              <a:t>drivers</a:t>
-            </a:r>
-          </a:p>
-          <a:p>
-            <a:pPr marL="432000" indent="-324000">
-              <a:buClr>
-                <a:srgbClr val="000000"/>
-              </a:buClr>
-              <a:buSzPct val="45000"/>
-              <a:buFont typeface="Wingdings" charset="2"/>
-              <a:buChar char=""/>
-            </a:pPr>
-            <a:r>
-              <a:rPr lang="fr-FR" spc="-1" dirty="0" err="1" smtClean="0">
-                <a:uFill>
-                  <a:solidFill>
-                    <a:srgbClr val="FFFFFF"/>
-                  </a:solidFill>
-                </a:uFill>
-                <a:latin typeface="Calibri"/>
-              </a:rPr>
-              <a:t>Algorithm</a:t>
-            </a:r>
-            <a:r>
-              <a:rPr lang="fr-FR" spc="-1" dirty="0" smtClean="0">
-                <a:uFill>
-                  <a:solidFill>
-                    <a:srgbClr val="FFFFFF"/>
-                  </a:solidFill>
-                </a:uFill>
-                <a:latin typeface="Calibri"/>
-              </a:rPr>
-              <a:t> </a:t>
-            </a:r>
-            <a:r>
-              <a:rPr lang="fr-FR" spc="-1" dirty="0">
-                <a:uFill>
-                  <a:solidFill>
-                    <a:srgbClr val="FFFFFF"/>
-                  </a:solidFill>
-                </a:uFill>
-                <a:latin typeface="Calibri"/>
-              </a:rPr>
-              <a:t>to </a:t>
-            </a:r>
-            <a:r>
-              <a:rPr lang="fr-FR" spc="-1" dirty="0" err="1">
-                <a:uFill>
-                  <a:solidFill>
-                    <a:srgbClr val="FFFFFF"/>
-                  </a:solidFill>
-                </a:uFill>
-                <a:latin typeface="Calibri"/>
-              </a:rPr>
-              <a:t>provide</a:t>
-            </a:r>
-            <a:r>
-              <a:rPr lang="fr-FR" spc="-1" dirty="0">
-                <a:uFill>
-                  <a:solidFill>
-                    <a:srgbClr val="FFFFFF"/>
-                  </a:solidFill>
-                </a:uFill>
-                <a:latin typeface="Calibri"/>
-              </a:rPr>
-              <a:t> destination </a:t>
-            </a:r>
-            <a:r>
-              <a:rPr lang="fr-FR" spc="-1" dirty="0" err="1">
-                <a:uFill>
-                  <a:solidFill>
-                    <a:srgbClr val="FFFFFF"/>
-                  </a:solidFill>
-                </a:uFill>
-                <a:latin typeface="Calibri"/>
-              </a:rPr>
-              <a:t>mixing</a:t>
-            </a:r>
-            <a:r>
-              <a:rPr lang="fr-FR" spc="-1" dirty="0">
-                <a:uFill>
-                  <a:solidFill>
-                    <a:srgbClr val="FFFFFF"/>
-                  </a:solidFill>
-                </a:uFill>
-                <a:latin typeface="Calibri"/>
-              </a:rPr>
-              <a:t> distributions of cars and drivers’ final </a:t>
-            </a:r>
-            <a:r>
-              <a:rPr lang="fr-FR" spc="-1" dirty="0" smtClean="0">
-                <a:uFill>
-                  <a:solidFill>
-                    <a:srgbClr val="FFFFFF"/>
-                  </a:solidFill>
-                </a:uFill>
-                <a:latin typeface="Calibri"/>
-              </a:rPr>
-              <a:t>destinations</a:t>
-            </a:r>
-            <a:endParaRPr lang="fr-FR" spc="-1" dirty="0">
-              <a:uFill>
-                <a:solidFill>
-                  <a:srgbClr val="FFFFFF"/>
-                </a:solidFill>
-              </a:uFill>
-              <a:latin typeface="Calibri"/>
-            </a:endParaRPr>
+            <a:r>
+              <a:rPr lang="en-US" dirty="0" smtClean="0"/>
+              <a:t>Management </a:t>
+            </a:r>
+            <a:r>
+              <a:rPr lang="en-US" dirty="0"/>
+              <a:t>of driver’s </a:t>
+            </a:r>
+            <a:r>
+              <a:rPr lang="en-US" dirty="0" smtClean="0"/>
+              <a:t>details and </a:t>
+            </a:r>
+            <a:r>
+              <a:rPr lang="en-US" dirty="0"/>
+              <a:t>access</a:t>
+            </a:r>
+          </a:p>
+          <a:p>
+            <a:r>
+              <a:rPr lang="en-US" dirty="0"/>
+              <a:t>Security/Confidentiality for registration, log in and payment</a:t>
+            </a:r>
+          </a:p>
+          <a:p>
+            <a:r>
+              <a:rPr lang="en-US" dirty="0"/>
+              <a:t>Management of car and drivers status</a:t>
+            </a:r>
+          </a:p>
+          <a:p>
+            <a:r>
+              <a:rPr lang="en-US" dirty="0"/>
+              <a:t>Management of reservation and reservation fee’s</a:t>
+            </a:r>
+          </a:p>
+          <a:p>
+            <a:r>
+              <a:rPr lang="en-US" dirty="0"/>
+              <a:t>Management of car’s access for the driver</a:t>
+            </a:r>
+          </a:p>
+          <a:p>
+            <a:r>
+              <a:rPr lang="en-US" dirty="0"/>
+              <a:t>Management of the different areas in the system</a:t>
+            </a:r>
+          </a:p>
+          <a:p>
+            <a:r>
+              <a:rPr lang="en-US" dirty="0"/>
+              <a:t>Management of ride and eventually discounts </a:t>
+            </a:r>
+          </a:p>
+          <a:p>
+            <a:r>
+              <a:rPr lang="en-US" dirty="0"/>
+              <a:t>Management of car’s battery level</a:t>
+            </a:r>
+          </a:p>
+          <a:p>
+            <a:r>
+              <a:rPr lang="en-US" dirty="0"/>
+              <a:t>Communication with </a:t>
+            </a:r>
+            <a:r>
+              <a:rPr lang="en-US" dirty="0" smtClean="0"/>
+              <a:t>car</a:t>
+            </a:r>
+            <a:endParaRPr lang="en-US" dirty="0"/>
           </a:p>
         </p:txBody>
       </p:sp>
@@ -5310,7 +5399,7 @@
     </p:spTree>
     <p:extLst>
       <p:ext uri="{BB962C8B-B14F-4D97-AF65-F5344CB8AC3E}">
-        <p14:creationId xmlns:p14="http://schemas.microsoft.com/office/powerpoint/2010/main" val="2694163945"/>
+        <p14:creationId xmlns:p14="http://schemas.microsoft.com/office/powerpoint/2010/main" val="379187845"/>
       </p:ext>
     </p:extLst>
   </p:cSld>
@@ -5346,6 +5435,226 @@
       </p:grpSpPr>
       <p:sp>
         <p:nvSpPr>
+          <p:cNvPr id="2" name="Sous-titre 1"/>
+          <p:cNvSpPr>
+            <a:spLocks noGrp="1"/>
+          </p:cNvSpPr>
+          <p:nvPr>
+            <p:ph type="subTitle"/>
+          </p:nvPr>
+        </p:nvSpPr>
+        <p:spPr/>
+        <p:txBody>
+          <a:bodyPr/>
+          <a:lstStyle/>
+          <a:p>
+            <a:pPr marL="432000" indent="-324000">
+              <a:buClr>
+                <a:srgbClr val="000000"/>
+              </a:buClr>
+              <a:buSzPct val="45000"/>
+              <a:buFont typeface="Wingdings" charset="2"/>
+              <a:buChar char=""/>
+            </a:pPr>
+            <a:r>
+              <a:rPr lang="fr-FR" spc="-1" dirty="0" err="1" smtClean="0">
+                <a:uFill>
+                  <a:solidFill>
+                    <a:srgbClr val="FFFFFF"/>
+                  </a:solidFill>
+                </a:uFill>
+                <a:latin typeface="Calibri"/>
+              </a:rPr>
+              <a:t>Algorithm</a:t>
+            </a:r>
+            <a:r>
+              <a:rPr lang="fr-FR" spc="-1" dirty="0" smtClean="0">
+                <a:uFill>
+                  <a:solidFill>
+                    <a:srgbClr val="FFFFFF"/>
+                  </a:solidFill>
+                </a:uFill>
+                <a:latin typeface="Calibri"/>
+              </a:rPr>
+              <a:t> </a:t>
+            </a:r>
+            <a:r>
+              <a:rPr lang="fr-FR" spc="-1" dirty="0">
+                <a:uFill>
+                  <a:solidFill>
+                    <a:srgbClr val="FFFFFF"/>
+                  </a:solidFill>
+                </a:uFill>
+                <a:latin typeface="Calibri"/>
+              </a:rPr>
+              <a:t>to </a:t>
+            </a:r>
+            <a:r>
+              <a:rPr lang="fr-FR" spc="-1" dirty="0" err="1">
+                <a:uFill>
+                  <a:solidFill>
+                    <a:srgbClr val="FFFFFF"/>
+                  </a:solidFill>
+                </a:uFill>
+                <a:latin typeface="Calibri"/>
+              </a:rPr>
+              <a:t>provide</a:t>
+            </a:r>
+            <a:r>
+              <a:rPr lang="fr-FR" spc="-1" dirty="0">
+                <a:uFill>
+                  <a:solidFill>
+                    <a:srgbClr val="FFFFFF"/>
+                  </a:solidFill>
+                </a:uFill>
+                <a:latin typeface="Calibri"/>
+              </a:rPr>
+              <a:t> </a:t>
+            </a:r>
+            <a:r>
+              <a:rPr lang="fr-FR" spc="-1" dirty="0" err="1">
+                <a:uFill>
+                  <a:solidFill>
+                    <a:srgbClr val="FFFFFF"/>
+                  </a:solidFill>
+                </a:uFill>
+                <a:latin typeface="Calibri"/>
+              </a:rPr>
+              <a:t>available</a:t>
+            </a:r>
+            <a:r>
+              <a:rPr lang="fr-FR" spc="-1" dirty="0">
+                <a:uFill>
+                  <a:solidFill>
+                    <a:srgbClr val="FFFFFF"/>
+                  </a:solidFill>
+                </a:uFill>
+                <a:latin typeface="Calibri"/>
+              </a:rPr>
+              <a:t> cars to </a:t>
+            </a:r>
+            <a:r>
+              <a:rPr lang="fr-FR" spc="-1" dirty="0" smtClean="0">
+                <a:uFill>
+                  <a:solidFill>
+                    <a:srgbClr val="FFFFFF"/>
+                  </a:solidFill>
+                </a:uFill>
+                <a:latin typeface="Calibri"/>
+              </a:rPr>
+              <a:t>drivers</a:t>
+            </a:r>
+          </a:p>
+          <a:p>
+            <a:pPr marL="432000" indent="-324000">
+              <a:buClr>
+                <a:srgbClr val="000000"/>
+              </a:buClr>
+              <a:buSzPct val="45000"/>
+              <a:buFont typeface="Wingdings" charset="2"/>
+              <a:buChar char=""/>
+            </a:pPr>
+            <a:r>
+              <a:rPr lang="fr-FR" spc="-1" dirty="0" err="1" smtClean="0">
+                <a:uFill>
+                  <a:solidFill>
+                    <a:srgbClr val="FFFFFF"/>
+                  </a:solidFill>
+                </a:uFill>
+                <a:latin typeface="Calibri"/>
+              </a:rPr>
+              <a:t>Algorithm</a:t>
+            </a:r>
+            <a:r>
+              <a:rPr lang="fr-FR" spc="-1" dirty="0" smtClean="0">
+                <a:uFill>
+                  <a:solidFill>
+                    <a:srgbClr val="FFFFFF"/>
+                  </a:solidFill>
+                </a:uFill>
+                <a:latin typeface="Calibri"/>
+              </a:rPr>
+              <a:t> </a:t>
+            </a:r>
+            <a:r>
+              <a:rPr lang="fr-FR" spc="-1" dirty="0">
+                <a:uFill>
+                  <a:solidFill>
+                    <a:srgbClr val="FFFFFF"/>
+                  </a:solidFill>
+                </a:uFill>
+                <a:latin typeface="Calibri"/>
+              </a:rPr>
+              <a:t>to </a:t>
+            </a:r>
+            <a:r>
+              <a:rPr lang="fr-FR" spc="-1" dirty="0" err="1">
+                <a:uFill>
+                  <a:solidFill>
+                    <a:srgbClr val="FFFFFF"/>
+                  </a:solidFill>
+                </a:uFill>
+                <a:latin typeface="Calibri"/>
+              </a:rPr>
+              <a:t>provide</a:t>
+            </a:r>
+            <a:r>
+              <a:rPr lang="fr-FR" spc="-1" dirty="0">
+                <a:uFill>
+                  <a:solidFill>
+                    <a:srgbClr val="FFFFFF"/>
+                  </a:solidFill>
+                </a:uFill>
+                <a:latin typeface="Calibri"/>
+              </a:rPr>
+              <a:t> destination </a:t>
+            </a:r>
+            <a:r>
+              <a:rPr lang="fr-FR" spc="-1" dirty="0" err="1">
+                <a:uFill>
+                  <a:solidFill>
+                    <a:srgbClr val="FFFFFF"/>
+                  </a:solidFill>
+                </a:uFill>
+                <a:latin typeface="Calibri"/>
+              </a:rPr>
+              <a:t>mixing</a:t>
+            </a:r>
+            <a:r>
+              <a:rPr lang="fr-FR" spc="-1" dirty="0">
+                <a:uFill>
+                  <a:solidFill>
+                    <a:srgbClr val="FFFFFF"/>
+                  </a:solidFill>
+                </a:uFill>
+                <a:latin typeface="Calibri"/>
+              </a:rPr>
+              <a:t> distributions of cars and drivers’ final </a:t>
+            </a:r>
+            <a:r>
+              <a:rPr lang="fr-FR" spc="-1" dirty="0" smtClean="0">
+                <a:uFill>
+                  <a:solidFill>
+                    <a:srgbClr val="FFFFFF"/>
+                  </a:solidFill>
+                </a:uFill>
+                <a:latin typeface="Calibri"/>
+              </a:rPr>
+              <a:t>destinations</a:t>
+            </a:r>
+            <a:endParaRPr lang="fr-FR" spc="-1" dirty="0">
+              <a:uFill>
+                <a:solidFill>
+                  <a:srgbClr val="FFFFFF"/>
+                </a:solidFill>
+              </a:uFill>
+              <a:latin typeface="Calibri"/>
+            </a:endParaRPr>
+          </a:p>
+        </p:txBody>
+      </p:sp>
+      <p:sp>
+        <p:nvSpPr>
           <p:cNvPr id="3" name="Espace réservé du pied de page 2"/>
           <p:cNvSpPr>
             <a:spLocks noGrp="1"/>
@@ -5406,6 +5715,148 @@
               </a:rPr>
               <a:pPr algn="r"/>
               <a:t>8</a:t>
+            </a:fld>
+            <a:endParaRPr lang="en-GB" sz="1400" spc="-1" dirty="0">
+              <a:uFill>
+                <a:solidFill>
+                  <a:srgbClr val="FFFFFF"/>
+                </a:solidFill>
+              </a:uFill>
+              <a:latin typeface="Times New Roman"/>
+            </a:endParaRPr>
+          </a:p>
+        </p:txBody>
+      </p:sp>
+      <p:sp>
+        <p:nvSpPr>
+          <p:cNvPr id="5" name="Espace réservé du texte 4"/>
+          <p:cNvSpPr>
+            <a:spLocks noGrp="1"/>
+          </p:cNvSpPr>
+          <p:nvPr>
+            <p:ph type="body" sz="quarter" idx="12"/>
+          </p:nvPr>
+        </p:nvSpPr>
+        <p:spPr/>
+        <p:txBody>
+          <a:bodyPr/>
+          <a:lstStyle/>
+          <a:p>
+            <a:r>
+              <a:rPr lang="fr-FR" dirty="0" err="1"/>
+              <a:t>Requirements</a:t>
+            </a:r>
+            <a:r>
+              <a:rPr lang="fr-FR" dirty="0"/>
+              <a:t> </a:t>
+            </a:r>
+            <a:r>
+              <a:rPr lang="fr-FR" dirty="0" err="1" smtClean="0"/>
+              <a:t>Analysis</a:t>
+            </a:r>
+            <a:endParaRPr lang="fr-FR" dirty="0"/>
+          </a:p>
+        </p:txBody>
+      </p:sp>
+    </p:spTree>
+    <p:extLst>
+      <p:ext uri="{BB962C8B-B14F-4D97-AF65-F5344CB8AC3E}">
+        <p14:creationId xmlns:p14="http://schemas.microsoft.com/office/powerpoint/2010/main" val="2694163945"/>
+      </p:ext>
+    </p:extLst>
+  </p:cSld>
+  <p:clrMapOvr>
+    <a:masterClrMapping/>
+  </p:clrMapOvr>
+  <p:timing>
+    <p:tnLst>
+      <p:par>
+        <p:cTn id="1" dur="indefinite" restart="never" nodeType="tmRoot"/>
+      </p:par>
+    </p:tnLst>
+  </p:timing>
+</p:sld>
+</file>
+
+<file path=ppt/slides/slide9.xml><?xml version="1.0" encoding="utf-8"?>
+<p:sld xmlns:a="http://schemas.openxmlformats.org/drawingml/2006/main" xmlns:r="http://schemas.openxmlformats.org/officeDocument/2006/relationships" xmlns:p="http://schemas.openxmlformats.org/presentationml/2006/main">
+  <p:cSld>
+    <p:spTree>
+      <p:nvGrpSpPr>
+        <p:cNvPr id="1" name=""/>
+        <p:cNvGrpSpPr/>
+        <p:nvPr/>
+      </p:nvGrpSpPr>
+      <p:grpSpPr>
+        <a:xfrm>
+          <a:off x="0" y="0"/>
+          <a:ext cx="0" cy="0"/>
+          <a:chOff x="0" y="0"/>
+          <a:chExt cx="0" cy="0"/>
+        </a:xfrm>
+      </p:grpSpPr>
+      <p:sp>
+        <p:nvSpPr>
+          <p:cNvPr id="3" name="Espace réservé du pied de page 2"/>
+          <p:cNvSpPr>
+            <a:spLocks noGrp="1"/>
+          </p:cNvSpPr>
+          <p:nvPr>
+            <p:ph type="ftr" idx="10"/>
+          </p:nvPr>
+        </p:nvSpPr>
+        <p:spPr/>
+        <p:txBody>
+          <a:bodyPr/>
+          <a:lstStyle/>
+          <a:p>
+            <a:r>
+              <a:rPr lang="en-GB" spc="-1" smtClean="0">
+                <a:uFill>
+                  <a:solidFill>
+                    <a:srgbClr val="FFFFFF"/>
+                  </a:solidFill>
+                </a:uFill>
+              </a:rPr>
+              <a:t>Vianney Payelle - Rémi Rigal - Noëlie Ramuzat</a:t>
+            </a:r>
+            <a:endParaRPr lang="en-GB" spc="-1" dirty="0" smtClean="0">
+              <a:uFill>
+                <a:solidFill>
+                  <a:srgbClr val="FFFFFF"/>
+                </a:solidFill>
+              </a:uFill>
+            </a:endParaRPr>
+          </a:p>
+        </p:txBody>
+      </p:sp>
+      <p:sp>
+        <p:nvSpPr>
+          <p:cNvPr id="4" name="Espace réservé du numéro de diapositive 3"/>
+          <p:cNvSpPr>
+            <a:spLocks noGrp="1"/>
+          </p:cNvSpPr>
+          <p:nvPr>
+            <p:ph type="sldNum" idx="11"/>
+          </p:nvPr>
+        </p:nvSpPr>
+        <p:spPr/>
+        <p:txBody>
+          <a:bodyPr/>
+          <a:lstStyle/>
+          <a:p>
+            <a:pPr algn="r"/>
+            <a:fld id="{F5BAF730-A7AF-4541-B8A9-FAA7C97232A3}" type="slidenum">
+              <a:rPr lang="en-GB" sz="1200" spc="-1" smtClean="0">
+                <a:uFill>
+                  <a:solidFill>
+                    <a:srgbClr val="FFFFFF"/>
+                  </a:solidFill>
+                </a:uFill>
+                <a:latin typeface="Calibri"/>
+              </a:rPr>
+              <a:pPr algn="r"/>
+              <a:t>9</a:t>
             </a:fld>
             <a:endParaRPr lang="en-GB" sz="1400" spc="-1" dirty="0">
               <a:uFill>
@@ -5499,194 +5950,6 @@
     <p:extLst>
       <p:ext uri="{BB962C8B-B14F-4D97-AF65-F5344CB8AC3E}">
         <p14:creationId xmlns:p14="http://schemas.microsoft.com/office/powerpoint/2010/main" val="974257404"/>
-      </p:ext>
-    </p:extLst>
-  </p:cSld>
-  <p:clrMapOvr>
-    <a:masterClrMapping/>
-  </p:clrMapOvr>
-  <p:timing>
-    <p:tnLst>
-      <p:par>
-        <p:cTn id="1" dur="indefinite" restart="never" nodeType="tmRoot"/>
-      </p:par>
-    </p:tnLst>
-  </p:timing>
-</p:sld>
-</file>
-
-<file path=ppt/slides/slide9.xml><?xml version="1.0" encoding="utf-8"?>
-<p:sld xmlns:a="http://schemas.openxmlformats.org/drawingml/2006/main" xmlns:r="http://schemas.openxmlformats.org/officeDocument/2006/relationships" xmlns:p="http://schemas.openxmlformats.org/presentationml/2006/main">
-  <p:cSld>
-    <p:spTree>
-      <p:nvGrpSpPr>
-        <p:cNvPr id="1" name=""/>
-        <p:cNvGrpSpPr/>
-        <p:nvPr/>
-      </p:nvGrpSpPr>
-      <p:grpSpPr>
-        <a:xfrm>
-          <a:off x="0" y="0"/>
-          <a:ext cx="0" cy="0"/>
-          <a:chOff x="0" y="0"/>
-          <a:chExt cx="0" cy="0"/>
-        </a:xfrm>
-      </p:grpSpPr>
-      <p:sp>
-        <p:nvSpPr>
-          <p:cNvPr id="3" name="Espace réservé du pied de page 2"/>
-          <p:cNvSpPr>
-            <a:spLocks noGrp="1"/>
-          </p:cNvSpPr>
-          <p:nvPr>
-            <p:ph type="ftr" idx="10"/>
-          </p:nvPr>
-        </p:nvSpPr>
-        <p:spPr/>
-        <p:txBody>
-          <a:bodyPr/>
-          <a:lstStyle/>
-          <a:p>
-            <a:r>
-              <a:rPr lang="en-GB" spc="-1" smtClean="0">
-                <a:uFill>
-                  <a:solidFill>
-                    <a:srgbClr val="FFFFFF"/>
-                  </a:solidFill>
-                </a:uFill>
-              </a:rPr>
-              <a:t>Vianney Payelle - Rémi Rigal - Noëlie Ramuzat</a:t>
-            </a:r>
-            <a:endParaRPr lang="en-GB" spc="-1" dirty="0" smtClean="0">
-              <a:uFill>
-                <a:solidFill>
-                  <a:srgbClr val="FFFFFF"/>
-                </a:solidFill>
-              </a:uFill>
-            </a:endParaRPr>
-          </a:p>
-        </p:txBody>
-      </p:sp>
-      <p:sp>
-        <p:nvSpPr>
-          <p:cNvPr id="4" name="Espace réservé du numéro de diapositive 3"/>
-          <p:cNvSpPr>
-            <a:spLocks noGrp="1"/>
-          </p:cNvSpPr>
-          <p:nvPr>
-            <p:ph type="sldNum" idx="11"/>
-          </p:nvPr>
-        </p:nvSpPr>
-        <p:spPr/>
-        <p:txBody>
-          <a:bodyPr/>
-          <a:lstStyle/>
-          <a:p>
-            <a:pPr algn="r"/>
-            <a:fld id="{F5BAF730-A7AF-4541-B8A9-FAA7C97232A3}" type="slidenum">
-              <a:rPr lang="en-GB" sz="1200" spc="-1" smtClean="0">
-                <a:uFill>
-                  <a:solidFill>
-                    <a:srgbClr val="FFFFFF"/>
-                  </a:solidFill>
-                </a:uFill>
-                <a:latin typeface="Calibri"/>
-              </a:rPr>
-              <a:pPr algn="r"/>
-              <a:t>9</a:t>
-            </a:fld>
-            <a:endParaRPr lang="en-GB" sz="1400" spc="-1" dirty="0">
-              <a:uFill>
-                <a:solidFill>
-                  <a:srgbClr val="FFFFFF"/>
-                </a:solidFill>
-              </a:uFill>
-              <a:latin typeface="Times New Roman"/>
-            </a:endParaRPr>
-          </a:p>
-        </p:txBody>
-      </p:sp>
-      <p:sp>
-        <p:nvSpPr>
-          <p:cNvPr id="7" name="Espace réservé du texte 6"/>
-          <p:cNvSpPr>
-            <a:spLocks noGrp="1"/>
-          </p:cNvSpPr>
-          <p:nvPr>
-            <p:ph type="body" sz="quarter" idx="12"/>
-          </p:nvPr>
-        </p:nvSpPr>
-        <p:spPr/>
-        <p:txBody>
-          <a:bodyPr/>
-          <a:lstStyle/>
-          <a:p>
-            <a:r>
-              <a:rPr lang="fr-FR" dirty="0" err="1"/>
-              <a:t>Requirements</a:t>
-            </a:r>
-            <a:r>
-              <a:rPr lang="fr-FR" dirty="0"/>
-              <a:t> </a:t>
-            </a:r>
-            <a:r>
-              <a:rPr lang="fr-FR" dirty="0" err="1" smtClean="0"/>
-              <a:t>Analysis</a:t>
-            </a:r>
-            <a:endParaRPr lang="fr-FR" dirty="0"/>
-          </a:p>
-        </p:txBody>
-      </p:sp>
-      <p:pic>
-        <p:nvPicPr>
-          <p:cNvPr id="8" name="Image 3"/>
-          <p:cNvPicPr/>
-          <p:nvPr/>
-        </p:nvPicPr>
-        <p:blipFill>
-          <a:blip r:embed="rId2"/>
-          <a:stretch/>
-        </p:blipFill>
-        <p:spPr>
-          <a:xfrm>
-            <a:off x="1691680" y="1244104"/>
-            <a:ext cx="2401200" cy="4921200"/>
-          </a:xfrm>
-          <a:prstGeom prst="rect">
-            <a:avLst/>
-          </a:prstGeom>
-          <a:ln>
-            <a:noFill/>
-          </a:ln>
-        </p:spPr>
-      </p:pic>
-      <p:pic>
-        <p:nvPicPr>
-          <p:cNvPr id="9" name="Image 4"/>
-          <p:cNvPicPr/>
-          <p:nvPr/>
-        </p:nvPicPr>
-        <p:blipFill>
-          <a:blip r:embed="rId3"/>
-          <a:stretch/>
-        </p:blipFill>
-        <p:spPr>
-          <a:xfrm>
-            <a:off x="5076056" y="1244104"/>
-            <a:ext cx="2401200" cy="4921200"/>
-          </a:xfrm>
-          <a:prstGeom prst="rect">
-            <a:avLst/>
-          </a:prstGeom>
-          <a:ln>
-            <a:noFill/>
-          </a:ln>
-        </p:spPr>
-      </p:pic>
-    </p:spTree>
-    <p:extLst>
-      <p:ext uri="{BB962C8B-B14F-4D97-AF65-F5344CB8AC3E}">
-        <p14:creationId xmlns:p14="http://schemas.microsoft.com/office/powerpoint/2010/main" val="2707787447"/>
       </p:ext>
     </p:extLst>
   </p:cSld>
